--- a/src/d191101/choyongsu/조용수 11.04 발표과제.pptx
+++ b/src/d191101/choyongsu/조용수 11.04 발표과제.pptx
@@ -4003,9 +4003,6 @@
               </a:rPr>
               <a:t>OWNER(WEB PROGRAMER)</a:t>
             </a:r>
-            <a:endParaRPr lang="en-US" altLang="ko-KR" b="1" dirty="0" smtClean="0">
-              <a:latin typeface="Arial Black" panose="020B0A04020102020204" pitchFamily="34" charset="0"/>
-            </a:endParaRPr>
           </a:p>
         </p:txBody>
       </p:sp>
@@ -4473,7 +4470,7 @@
         </p:nvSpPr>
         <p:spPr>
           <a:xfrm>
-            <a:off x="1660276" y="1750287"/>
+            <a:off x="1403850" y="1606550"/>
             <a:ext cx="9144000" cy="2387600"/>
           </a:xfrm>
         </p:spPr>
@@ -4585,6 +4582,36 @@
           </a:p>
         </p:txBody>
       </p:sp>
+      <p:pic>
+        <p:nvPicPr>
+          <p:cNvPr id="3" name="그림 2"/>
+          <p:cNvPicPr>
+            <a:picLocks noChangeAspect="1"/>
+          </p:cNvPicPr>
+          <p:nvPr/>
+        </p:nvPicPr>
+        <p:blipFill>
+          <a:blip r:embed="rId2">
+            <a:extLst>
+              <a:ext uri="{28A0092B-C50C-407E-A947-70E740481C1C}">
+                <a14:useLocalDpi xmlns:a14="http://schemas.microsoft.com/office/drawing/2010/main" val="0"/>
+              </a:ext>
+            </a:extLst>
+          </a:blip>
+          <a:stretch>
+            <a:fillRect/>
+          </a:stretch>
+        </p:blipFill>
+        <p:spPr>
+          <a:xfrm>
+            <a:off x="4202667" y="1368346"/>
+            <a:ext cx="3546367" cy="4206564"/>
+          </a:xfrm>
+          <a:prstGeom prst="rect">
+            <a:avLst/>
+          </a:prstGeom>
+        </p:spPr>
+      </p:pic>
     </p:spTree>
     <p:extLst>
       <p:ext uri="{BB962C8B-B14F-4D97-AF65-F5344CB8AC3E}">
@@ -4688,21 +4715,39 @@
                                   </p:childTnLst>
                                 </p:cTn>
                               </p:par>
+                            </p:childTnLst>
+                          </p:cTn>
+                        </p:par>
+                      </p:childTnLst>
+                    </p:cTn>
+                  </p:par>
+                  <p:par>
+                    <p:cTn id="11" fill="hold">
+                      <p:stCondLst>
+                        <p:cond delay="indefinite"/>
+                      </p:stCondLst>
+                      <p:childTnLst>
+                        <p:par>
+                          <p:cTn id="12" fill="hold">
+                            <p:stCondLst>
+                              <p:cond delay="0"/>
+                            </p:stCondLst>
+                            <p:childTnLst>
                               <p:par>
-                                <p:cTn id="11" presetID="10" presetClass="entr" presetSubtype="0" fill="hold" grpId="0" nodeType="withEffect">
+                                <p:cTn id="13" presetID="10" presetClass="entr" presetSubtype="0" fill="hold" nodeType="clickEffect">
                                   <p:stCondLst>
                                     <p:cond delay="0"/>
                                   </p:stCondLst>
                                   <p:childTnLst>
                                     <p:set>
                                       <p:cBhvr>
-                                        <p:cTn id="12" dur="1" fill="hold">
+                                        <p:cTn id="14" dur="1" fill="hold">
                                           <p:stCondLst>
                                             <p:cond delay="0"/>
                                           </p:stCondLst>
                                         </p:cTn>
                                         <p:tgtEl>
-                                          <p:spTgt spid="2"/>
+                                          <p:spTgt spid="3"/>
                                         </p:tgtEl>
                                         <p:attrNameLst>
                                           <p:attrName>style.visibility</p:attrName>
@@ -4714,7 +4759,76 @@
                                     </p:set>
                                     <p:animEffect transition="in" filter="fade">
                                       <p:cBhvr>
-                                        <p:cTn id="13" dur="500"/>
+                                        <p:cTn id="15" dur="500"/>
+                                        <p:tgtEl>
+                                          <p:spTgt spid="3"/>
+                                        </p:tgtEl>
+                                      </p:cBhvr>
+                                    </p:animEffect>
+                                  </p:childTnLst>
+                                  <p:subTnLst>
+                                    <p:set>
+                                      <p:cBhvr override="childStyle">
+                                        <p:cTn dur="1" fill="hold" display="0" masterRel="nextClick" afterEffect="1"/>
+                                        <p:tgtEl>
+                                          <p:spTgt spid="3"/>
+                                        </p:tgtEl>
+                                        <p:attrNameLst>
+                                          <p:attrName>style.visibility</p:attrName>
+                                        </p:attrNameLst>
+                                      </p:cBhvr>
+                                      <p:to>
+                                        <p:strVal val="hidden"/>
+                                      </p:to>
+                                    </p:set>
+                                  </p:subTnLst>
+                                </p:cTn>
+                              </p:par>
+                            </p:childTnLst>
+                          </p:cTn>
+                        </p:par>
+                      </p:childTnLst>
+                    </p:cTn>
+                  </p:par>
+                  <p:par>
+                    <p:cTn id="16" fill="hold">
+                      <p:stCondLst>
+                        <p:cond delay="indefinite"/>
+                      </p:stCondLst>
+                      <p:childTnLst>
+                        <p:par>
+                          <p:cTn id="17" fill="hold">
+                            <p:stCondLst>
+                              <p:cond delay="0"/>
+                            </p:stCondLst>
+                            <p:childTnLst>
+                              <p:par>
+                                <p:cTn id="18" presetID="10" presetClass="entr" presetSubtype="0" fill="hold" grpId="0" nodeType="clickEffect">
+                                  <p:stCondLst>
+                                    <p:cond delay="0"/>
+                                  </p:stCondLst>
+                                  <p:childTnLst>
+                                    <p:set>
+                                      <p:cBhvr>
+                                        <p:cTn id="19" dur="1" fill="hold">
+                                          <p:stCondLst>
+                                            <p:cond delay="0"/>
+                                          </p:stCondLst>
+                                        </p:cTn>
+                                        <p:tgtEl>
+                                          <p:spTgt spid="2"/>
+                                        </p:tgtEl>
+                                        <p:attrNameLst>
+                                          <p:attrName>style.visibility</p:attrName>
+                                        </p:attrNameLst>
+                                      </p:cBhvr>
+                                      <p:to>
+                                        <p:strVal val="visible"/>
+                                      </p:to>
+                                    </p:set>
+                                    <p:animEffect transition="in" filter="fade">
+                                      <p:cBhvr>
+                                        <p:cTn id="20" dur="500"/>
                                         <p:tgtEl>
                                           <p:spTgt spid="2"/>
                                         </p:tgtEl>
@@ -11104,9 +11218,6 @@
               </a:rPr>
               <a:t>OWNER(WEB PROGRAMER)</a:t>
             </a:r>
-            <a:endParaRPr lang="en-US" altLang="ko-KR" b="1" dirty="0" smtClean="0">
-              <a:latin typeface="Arial Black" panose="020B0A04020102020204" pitchFamily="34" charset="0"/>
-            </a:endParaRPr>
           </a:p>
         </p:txBody>
       </p:sp>

--- a/src/d191101/choyongsu/조용수 11.04 발표과제.pptx
+++ b/src/d191101/choyongsu/조용수 11.04 발표과제.pptx
@@ -3365,8 +3365,8 @@
         </p:nvSpPr>
         <p:spPr>
           <a:xfrm>
-            <a:off x="6066320" y="587378"/>
-            <a:ext cx="3986300" cy="923330"/>
+            <a:off x="6677346" y="513723"/>
+            <a:ext cx="3986300" cy="1200329"/>
           </a:xfrm>
           <a:prstGeom prst="rect">
             <a:avLst/>
@@ -3467,6 +3467,24 @@
               </a:rPr>
               <a:t>)</a:t>
             </a:r>
+          </a:p>
+          <a:p>
+            <a:pPr algn="ctr"/>
+            <a:r>
+              <a:rPr lang="en-US" altLang="ko-KR" b="1" dirty="0" smtClean="0">
+                <a:latin typeface="Arial Black" panose="020B0A04020102020204" pitchFamily="34" charset="0"/>
+              </a:rPr>
+              <a:t>JSP.java file </a:t>
+            </a:r>
+            <a:r>
+              <a:rPr lang="ko-KR" altLang="en-US" b="1" dirty="0" smtClean="0">
+                <a:latin typeface="Arial Black" panose="020B0A04020102020204" pitchFamily="34" charset="0"/>
+              </a:rPr>
+              <a:t>생성</a:t>
+            </a:r>
+            <a:endParaRPr lang="en-US" altLang="ko-KR" b="1" dirty="0" smtClean="0">
+              <a:latin typeface="Arial Black" panose="020B0A04020102020204" pitchFamily="34" charset="0"/>
+            </a:endParaRPr>
           </a:p>
         </p:txBody>
       </p:sp>
@@ -3558,8 +3576,8 @@
         </p:nvSpPr>
         <p:spPr>
           <a:xfrm>
-            <a:off x="6066320" y="584206"/>
-            <a:ext cx="4237150" cy="923330"/>
+            <a:off x="6644597" y="526876"/>
+            <a:ext cx="4237150" cy="1200329"/>
           </a:xfrm>
           <a:prstGeom prst="rect">
             <a:avLst/>
@@ -3622,8 +3640,44 @@
               <a:rPr lang="en-US" altLang="ko-KR" b="1" dirty="0" smtClean="0">
                 <a:latin typeface="Arial Black" panose="020B0A04020102020204" pitchFamily="34" charset="0"/>
               </a:rPr>
-              <a:t>(JAVA code Compile)</a:t>
-            </a:r>
+              <a:t>(JAVA code Compile</a:t>
+            </a:r>
+            <a:r>
+              <a:rPr lang="en-US" altLang="ko-KR" b="1" dirty="0" smtClean="0">
+                <a:latin typeface="Arial Black" panose="020B0A04020102020204" pitchFamily="34" charset="0"/>
+              </a:rPr>
+              <a:t>)</a:t>
+            </a:r>
+          </a:p>
+          <a:p>
+            <a:pPr algn="ctr"/>
+            <a:r>
+              <a:rPr lang="en-US" altLang="ko-KR" b="1" dirty="0" err="1" smtClean="0">
+                <a:latin typeface="Arial Black" panose="020B0A04020102020204" pitchFamily="34" charset="0"/>
+              </a:rPr>
+              <a:t>JSP.class</a:t>
+            </a:r>
+            <a:r>
+              <a:rPr lang="en-US" altLang="ko-KR" b="1" dirty="0" smtClean="0">
+                <a:latin typeface="Arial Black" panose="020B0A04020102020204" pitchFamily="34" charset="0"/>
+              </a:rPr>
+              <a:t> </a:t>
+            </a:r>
+            <a:r>
+              <a:rPr lang="en-US" altLang="ko-KR" b="1" dirty="0" smtClean="0">
+                <a:latin typeface="Arial Black" panose="020B0A04020102020204" pitchFamily="34" charset="0"/>
+              </a:rPr>
+              <a:t>file </a:t>
+            </a:r>
+            <a:r>
+              <a:rPr lang="ko-KR" altLang="en-US" b="1" dirty="0" smtClean="0">
+                <a:latin typeface="Arial Black" panose="020B0A04020102020204" pitchFamily="34" charset="0"/>
+              </a:rPr>
+              <a:t>생성</a:t>
+            </a:r>
+            <a:endParaRPr lang="en-US" altLang="ko-KR" b="1" dirty="0" smtClean="0">
+              <a:latin typeface="Arial Black" panose="020B0A04020102020204" pitchFamily="34" charset="0"/>
+            </a:endParaRPr>
           </a:p>
         </p:txBody>
       </p:sp>

--- a/src/d191101/choyongsu/조용수 11.04 발표과제.pptx
+++ b/src/d191101/choyongsu/조용수 11.04 발표과제.pptx
@@ -253,7 +253,7 @@
           <a:p>
             <a:fld id="{2D89D213-6DC9-4DA5-9CA0-EB6AA6DCD20E}" type="datetimeFigureOut">
               <a:rPr lang="ko-KR" altLang="en-US" smtClean="0"/>
-              <a:t>2019-11-03</a:t>
+              <a:t>2019-11-04</a:t>
             </a:fld>
             <a:endParaRPr lang="ko-KR" altLang="en-US"/>
           </a:p>
@@ -423,7 +423,7 @@
           <a:p>
             <a:fld id="{2D89D213-6DC9-4DA5-9CA0-EB6AA6DCD20E}" type="datetimeFigureOut">
               <a:rPr lang="ko-KR" altLang="en-US" smtClean="0"/>
-              <a:t>2019-11-03</a:t>
+              <a:t>2019-11-04</a:t>
             </a:fld>
             <a:endParaRPr lang="ko-KR" altLang="en-US"/>
           </a:p>
@@ -603,7 +603,7 @@
           <a:p>
             <a:fld id="{2D89D213-6DC9-4DA5-9CA0-EB6AA6DCD20E}" type="datetimeFigureOut">
               <a:rPr lang="ko-KR" altLang="en-US" smtClean="0"/>
-              <a:t>2019-11-03</a:t>
+              <a:t>2019-11-04</a:t>
             </a:fld>
             <a:endParaRPr lang="ko-KR" altLang="en-US"/>
           </a:p>
@@ -773,7 +773,7 @@
           <a:p>
             <a:fld id="{2D89D213-6DC9-4DA5-9CA0-EB6AA6DCD20E}" type="datetimeFigureOut">
               <a:rPr lang="ko-KR" altLang="en-US" smtClean="0"/>
-              <a:t>2019-11-03</a:t>
+              <a:t>2019-11-04</a:t>
             </a:fld>
             <a:endParaRPr lang="ko-KR" altLang="en-US"/>
           </a:p>
@@ -1019,7 +1019,7 @@
           <a:p>
             <a:fld id="{2D89D213-6DC9-4DA5-9CA0-EB6AA6DCD20E}" type="datetimeFigureOut">
               <a:rPr lang="ko-KR" altLang="en-US" smtClean="0"/>
-              <a:t>2019-11-03</a:t>
+              <a:t>2019-11-04</a:t>
             </a:fld>
             <a:endParaRPr lang="ko-KR" altLang="en-US"/>
           </a:p>
@@ -1251,7 +1251,7 @@
           <a:p>
             <a:fld id="{2D89D213-6DC9-4DA5-9CA0-EB6AA6DCD20E}" type="datetimeFigureOut">
               <a:rPr lang="ko-KR" altLang="en-US" smtClean="0"/>
-              <a:t>2019-11-03</a:t>
+              <a:t>2019-11-04</a:t>
             </a:fld>
             <a:endParaRPr lang="ko-KR" altLang="en-US"/>
           </a:p>
@@ -1618,7 +1618,7 @@
           <a:p>
             <a:fld id="{2D89D213-6DC9-4DA5-9CA0-EB6AA6DCD20E}" type="datetimeFigureOut">
               <a:rPr lang="ko-KR" altLang="en-US" smtClean="0"/>
-              <a:t>2019-11-03</a:t>
+              <a:t>2019-11-04</a:t>
             </a:fld>
             <a:endParaRPr lang="ko-KR" altLang="en-US"/>
           </a:p>
@@ -1736,7 +1736,7 @@
           <a:p>
             <a:fld id="{2D89D213-6DC9-4DA5-9CA0-EB6AA6DCD20E}" type="datetimeFigureOut">
               <a:rPr lang="ko-KR" altLang="en-US" smtClean="0"/>
-              <a:t>2019-11-03</a:t>
+              <a:t>2019-11-04</a:t>
             </a:fld>
             <a:endParaRPr lang="ko-KR" altLang="en-US"/>
           </a:p>
@@ -1831,7 +1831,7 @@
           <a:p>
             <a:fld id="{2D89D213-6DC9-4DA5-9CA0-EB6AA6DCD20E}" type="datetimeFigureOut">
               <a:rPr lang="ko-KR" altLang="en-US" smtClean="0"/>
-              <a:t>2019-11-03</a:t>
+              <a:t>2019-11-04</a:t>
             </a:fld>
             <a:endParaRPr lang="ko-KR" altLang="en-US"/>
           </a:p>
@@ -2108,7 +2108,7 @@
           <a:p>
             <a:fld id="{2D89D213-6DC9-4DA5-9CA0-EB6AA6DCD20E}" type="datetimeFigureOut">
               <a:rPr lang="ko-KR" altLang="en-US" smtClean="0"/>
-              <a:t>2019-11-03</a:t>
+              <a:t>2019-11-04</a:t>
             </a:fld>
             <a:endParaRPr lang="ko-KR" altLang="en-US"/>
           </a:p>
@@ -2361,7 +2361,7 @@
           <a:p>
             <a:fld id="{2D89D213-6DC9-4DA5-9CA0-EB6AA6DCD20E}" type="datetimeFigureOut">
               <a:rPr lang="ko-KR" altLang="en-US" smtClean="0"/>
-              <a:t>2019-11-03</a:t>
+              <a:t>2019-11-04</a:t>
             </a:fld>
             <a:endParaRPr lang="ko-KR" altLang="en-US"/>
           </a:p>
@@ -2577,7 +2577,7 @@
           <a:p>
             <a:fld id="{2D89D213-6DC9-4DA5-9CA0-EB6AA6DCD20E}" type="datetimeFigureOut">
               <a:rPr lang="ko-KR" altLang="en-US" smtClean="0"/>
-              <a:t>2019-11-03</a:t>
+              <a:t>2019-11-04</a:t>
             </a:fld>
             <a:endParaRPr lang="ko-KR" altLang="en-US"/>
           </a:p>
@@ -3640,34 +3640,22 @@
               <a:rPr lang="en-US" altLang="ko-KR" b="1" dirty="0" smtClean="0">
                 <a:latin typeface="Arial Black" panose="020B0A04020102020204" pitchFamily="34" charset="0"/>
               </a:rPr>
-              <a:t>(JAVA code Compile</a:t>
+              <a:t>(JAVA code Compile)</a:t>
+            </a:r>
+          </a:p>
+          <a:p>
+            <a:pPr algn="ctr"/>
+            <a:r>
+              <a:rPr lang="en-US" altLang="ko-KR" b="1" dirty="0" err="1" smtClean="0">
+                <a:latin typeface="Arial Black" panose="020B0A04020102020204" pitchFamily="34" charset="0"/>
+              </a:rPr>
+              <a:t>JSP.class</a:t>
             </a:r>
             <a:r>
               <a:rPr lang="en-US" altLang="ko-KR" b="1" dirty="0" smtClean="0">
                 <a:latin typeface="Arial Black" panose="020B0A04020102020204" pitchFamily="34" charset="0"/>
               </a:rPr>
-              <a:t>)</a:t>
-            </a:r>
-          </a:p>
-          <a:p>
-            <a:pPr algn="ctr"/>
-            <a:r>
-              <a:rPr lang="en-US" altLang="ko-KR" b="1" dirty="0" err="1" smtClean="0">
-                <a:latin typeface="Arial Black" panose="020B0A04020102020204" pitchFamily="34" charset="0"/>
-              </a:rPr>
-              <a:t>JSP.class</a:t>
-            </a:r>
-            <a:r>
-              <a:rPr lang="en-US" altLang="ko-KR" b="1" dirty="0" smtClean="0">
-                <a:latin typeface="Arial Black" panose="020B0A04020102020204" pitchFamily="34" charset="0"/>
-              </a:rPr>
-              <a:t> </a:t>
-            </a:r>
-            <a:r>
-              <a:rPr lang="en-US" altLang="ko-KR" b="1" dirty="0" smtClean="0">
-                <a:latin typeface="Arial Black" panose="020B0A04020102020204" pitchFamily="34" charset="0"/>
-              </a:rPr>
-              <a:t>file </a:t>
+              <a:t> file </a:t>
             </a:r>
             <a:r>
               <a:rPr lang="ko-KR" altLang="en-US" b="1" dirty="0" smtClean="0">
@@ -6359,7 +6347,25 @@
                 </a:solidFill>
                 <a:latin typeface="+mn-lt"/>
               </a:rPr>
-              <a:t>ebSever</a:t>
+              <a:t>ebSe</a:t>
+            </a:r>
+            <a:r>
+              <a:rPr lang="en-US" altLang="ko-KR" sz="6600" b="1" dirty="0" err="1">
+                <a:solidFill>
+                  <a:srgbClr val="C00000"/>
+                </a:solidFill>
+                <a:latin typeface="+mn-lt"/>
+              </a:rPr>
+              <a:t>r</a:t>
+            </a:r>
+            <a:r>
+              <a:rPr lang="en-US" altLang="ko-KR" sz="6600" b="1" dirty="0" err="1" smtClean="0">
+                <a:solidFill>
+                  <a:srgbClr val="C00000"/>
+                </a:solidFill>
+                <a:latin typeface="+mn-lt"/>
+              </a:rPr>
+              <a:t>ver</a:t>
             </a:r>
             <a:r>
               <a:rPr lang="en-US" altLang="ko-KR" sz="6600" b="1" dirty="0" smtClean="0">
@@ -6907,7 +6913,7 @@
         </p:blipFill>
         <p:spPr>
           <a:xfrm>
-            <a:off x="710725" y="352649"/>
+            <a:off x="560803" y="476049"/>
             <a:ext cx="10114346" cy="6188985"/>
           </a:xfrm>
           <a:prstGeom prst="rect">
